--- a/gateway.pptx
+++ b/gateway.pptx
@@ -9198,8 +9198,8 @@
         </p:blipFill>
         <p:spPr>
           <a:xfrm>
-            <a:off x="1830540" y="941914"/>
-            <a:ext cx="7306958" cy="4383621"/>
+            <a:off x="1458805" y="576999"/>
+            <a:ext cx="8052014" cy="4830598"/>
           </a:xfrm>
           <a:prstGeom prst="rect">
             <a:avLst/>
@@ -9216,13 +9216,6 @@
   <p:clrMapOvr>
     <a:masterClrMapping/>
   </p:clrMapOvr>
-  <p:timing>
-    <p:tnLst>
-      <p:par>
-        <p:cTn id="1" dur="indefinite" restart="never" nodeType="tmRoot"/>
-      </p:par>
-    </p:tnLst>
-  </p:timing>
 </p:sld>
 </file>
 
@@ -9283,8 +9276,8 @@
         </p:blipFill>
         <p:spPr>
           <a:xfrm>
-            <a:off x="1538403" y="1036800"/>
-            <a:ext cx="7892394" cy="4275047"/>
+            <a:off x="1374492" y="316525"/>
+            <a:ext cx="9101080" cy="4929752"/>
           </a:xfrm>
           <a:prstGeom prst="rect">
             <a:avLst/>
@@ -9301,13 +9294,6 @@
   <p:clrMapOvr>
     <a:masterClrMapping/>
   </p:clrMapOvr>
-  <p:timing>
-    <p:tnLst>
-      <p:par>
-        <p:cTn id="1" dur="indefinite" restart="never" nodeType="tmRoot"/>
-      </p:par>
-    </p:tnLst>
-  </p:timing>
 </p:sld>
 </file>
 
@@ -9908,33 +9894,6 @@
 </file>
 
 <file path=customXml/item1.xml><?xml version="1.0" encoding="utf-8"?>
-<sax_ColorSelect>
-  <Line>
-    <Color val="D70012"/>
-    <Color val="EA6876"/>
-    <Color val="a80163"/>
-    <Color val="D067AD"/>
-    <Color val="3f136c"/>
-    <Color val="967CB1"/>
-    <Color val="08427e"/>
-    <Color val="6D9ABC"/>
-    <Color val="0e78c5"/>
-    <Color val="6FB9E2"/>
-    <Color val="1399a0"/>
-    <Color val="6FC9CC"/>
-    <Color val="67b419"/>
-    <Color val="AEDB7D"/>
-    <Color val="0a5139"/>
-    <Color val="6EA293"/>
-    <Color val="999FA6"/>
-    <Color val="D7D7D7"/>
-    <Color val="000000"/>
-    <Color val="FFFFFF"/>
-  </Line>
-</sax_ColorSelect>
-</file>
-
-<file path=customXml/item2.xml><?xml version="1.0" encoding="utf-8"?>
 <saxML>
   <saxMLTemplate>presentation_169</saxMLTemplate>
   <Variablen>
@@ -10083,14 +10042,41 @@
 </saxML>
 </file>
 
+<file path=customXml/item2.xml><?xml version="1.0" encoding="utf-8"?>
+<sax_ColorSelect>
+  <Line>
+    <Color val="D70012"/>
+    <Color val="EA6876"/>
+    <Color val="a80163"/>
+    <Color val="D067AD"/>
+    <Color val="3f136c"/>
+    <Color val="967CB1"/>
+    <Color val="08427e"/>
+    <Color val="6D9ABC"/>
+    <Color val="0e78c5"/>
+    <Color val="6FB9E2"/>
+    <Color val="1399a0"/>
+    <Color val="6FC9CC"/>
+    <Color val="67b419"/>
+    <Color val="AEDB7D"/>
+    <Color val="0a5139"/>
+    <Color val="6EA293"/>
+    <Color val="999FA6"/>
+    <Color val="D7D7D7"/>
+    <Color val="000000"/>
+    <Color val="FFFFFF"/>
+  </Line>
+</sax_ColorSelect>
+</file>
+
 <file path=customXml/itemProps1.xml><?xml version="1.0" encoding="utf-8"?>
-<ds:datastoreItem xmlns:ds="http://schemas.openxmlformats.org/officeDocument/2006/customXml" ds:itemID="{304CF217-3C90-4AA0-B541-CE45F9BD305E}">
+<ds:datastoreItem xmlns:ds="http://schemas.openxmlformats.org/officeDocument/2006/customXml" ds:itemID="{D0252559-44F8-474C-B66D-E357B88E32C2}">
   <ds:schemaRefs/>
 </ds:datastoreItem>
 </file>
 
 <file path=customXml/itemProps2.xml><?xml version="1.0" encoding="utf-8"?>
-<ds:datastoreItem xmlns:ds="http://schemas.openxmlformats.org/officeDocument/2006/customXml" ds:itemID="{D0252559-44F8-474C-B66D-E357B88E32C2}">
+<ds:datastoreItem xmlns:ds="http://schemas.openxmlformats.org/officeDocument/2006/customXml" ds:itemID="{304CF217-3C90-4AA0-B541-CE45F9BD305E}">
   <ds:schemaRefs/>
 </ds:datastoreItem>
 </file>